--- a/Lecture 1 - Course Introduction.pptx
+++ b/Lecture 1 - Course Introduction.pptx
@@ -3597,6 +3597,33 @@
             <a:r>
               <a:rPr/>
               <a:t>Course Policies</a:t>
+            </a:r>
+          </a:p>
+        </p:txBody>
+      </p:sp>
+      <p:sp>
+        <p:nvSpPr>
+          <p:cNvPr id="3" name="Content Placeholder 2"/>
+          <p:cNvSpPr>
+            <a:spLocks noGrp="1"/>
+          </p:cNvSpPr>
+          <p:nvPr>
+            <p:ph idx="1"/>
+          </p:nvPr>
+        </p:nvSpPr>
+        <p:spPr/>
+        <p:txBody>
+          <a:bodyPr/>
+          <a:lstStyle/>
+          <a:p>
+            <a:pPr lvl="0" indent="0" marL="0">
+              <a:buNone/>
+            </a:pPr>
+            <a:r>
+              <a:rPr>
+                <a:hlinkClick r:id="rId2"/>
+              </a:rPr>
+              <a:t>Syllabus</a:t>
             </a:r>
           </a:p>
         </p:txBody>
